--- a/project/Shi_1337.pptx
+++ b/project/Shi_1337.pptx
@@ -5,12 +5,13 @@
     <p:sldMasterId id="2147483648" r:id="rId1"/>
   </p:sldMasterIdLst>
   <p:notesMasterIdLst>
-    <p:notesMasterId r:id="rId5"/>
+    <p:notesMasterId r:id="rId6"/>
   </p:notesMasterIdLst>
   <p:sldIdLst>
     <p:sldId id="257" r:id="rId2"/>
     <p:sldId id="259" r:id="rId3"/>
     <p:sldId id="258" r:id="rId4"/>
+    <p:sldId id="260" r:id="rId5"/>
   </p:sldIdLst>
   <p:sldSz cx="12192000" cy="6858000"/>
   <p:notesSz cx="6858000" cy="9144000"/>
@@ -207,7 +208,7 @@
           <a:p>
             <a:fld id="{DC172499-EF69-477D-A348-618B92F94A9A}" type="datetimeFigureOut">
               <a:rPr lang="zh-CN" altLang="en-US" smtClean="0"/>
-              <a:t>2022/11/27</a:t>
+              <a:t>2022/11/30</a:t>
             </a:fld>
             <a:endParaRPr lang="zh-CN" altLang="en-US"/>
           </a:p>
@@ -1006,7 +1007,7 @@
           <a:p>
             <a:fld id="{B65AA950-EF9E-AE41-BDDC-36BC7EB5D6E9}" type="datetimeFigureOut">
               <a:rPr lang="en-US" smtClean="0"/>
-              <a:t>11/27/2022</a:t>
+              <a:t>11/30/2022</a:t>
             </a:fld>
             <a:endParaRPr lang="en-US"/>
           </a:p>
@@ -1204,7 +1205,7 @@
           <a:p>
             <a:fld id="{B65AA950-EF9E-AE41-BDDC-36BC7EB5D6E9}" type="datetimeFigureOut">
               <a:rPr lang="en-US" smtClean="0"/>
-              <a:t>11/27/2022</a:t>
+              <a:t>11/30/2022</a:t>
             </a:fld>
             <a:endParaRPr lang="en-US"/>
           </a:p>
@@ -1412,7 +1413,7 @@
           <a:p>
             <a:fld id="{B65AA950-EF9E-AE41-BDDC-36BC7EB5D6E9}" type="datetimeFigureOut">
               <a:rPr lang="en-US" smtClean="0"/>
-              <a:t>11/27/2022</a:t>
+              <a:t>11/30/2022</a:t>
             </a:fld>
             <a:endParaRPr lang="en-US"/>
           </a:p>
@@ -1610,7 +1611,7 @@
           <a:p>
             <a:fld id="{B65AA950-EF9E-AE41-BDDC-36BC7EB5D6E9}" type="datetimeFigureOut">
               <a:rPr lang="en-US" smtClean="0"/>
-              <a:t>11/27/2022</a:t>
+              <a:t>11/30/2022</a:t>
             </a:fld>
             <a:endParaRPr lang="en-US"/>
           </a:p>
@@ -1885,7 +1886,7 @@
           <a:p>
             <a:fld id="{B65AA950-EF9E-AE41-BDDC-36BC7EB5D6E9}" type="datetimeFigureOut">
               <a:rPr lang="en-US" smtClean="0"/>
-              <a:t>11/27/2022</a:t>
+              <a:t>11/30/2022</a:t>
             </a:fld>
             <a:endParaRPr lang="en-US"/>
           </a:p>
@@ -2150,7 +2151,7 @@
           <a:p>
             <a:fld id="{B65AA950-EF9E-AE41-BDDC-36BC7EB5D6E9}" type="datetimeFigureOut">
               <a:rPr lang="en-US" smtClean="0"/>
-              <a:t>11/27/2022</a:t>
+              <a:t>11/30/2022</a:t>
             </a:fld>
             <a:endParaRPr lang="en-US"/>
           </a:p>
@@ -2562,7 +2563,7 @@
           <a:p>
             <a:fld id="{B65AA950-EF9E-AE41-BDDC-36BC7EB5D6E9}" type="datetimeFigureOut">
               <a:rPr lang="en-US" smtClean="0"/>
-              <a:t>11/27/2022</a:t>
+              <a:t>11/30/2022</a:t>
             </a:fld>
             <a:endParaRPr lang="en-US"/>
           </a:p>
@@ -2703,7 +2704,7 @@
           <a:p>
             <a:fld id="{B65AA950-EF9E-AE41-BDDC-36BC7EB5D6E9}" type="datetimeFigureOut">
               <a:rPr lang="en-US" smtClean="0"/>
-              <a:t>11/27/2022</a:t>
+              <a:t>11/30/2022</a:t>
             </a:fld>
             <a:endParaRPr lang="en-US"/>
           </a:p>
@@ -2816,7 +2817,7 @@
           <a:p>
             <a:fld id="{B65AA950-EF9E-AE41-BDDC-36BC7EB5D6E9}" type="datetimeFigureOut">
               <a:rPr lang="en-US" smtClean="0"/>
-              <a:t>11/27/2022</a:t>
+              <a:t>11/30/2022</a:t>
             </a:fld>
             <a:endParaRPr lang="en-US"/>
           </a:p>
@@ -3127,7 +3128,7 @@
           <a:p>
             <a:fld id="{B65AA950-EF9E-AE41-BDDC-36BC7EB5D6E9}" type="datetimeFigureOut">
               <a:rPr lang="en-US" smtClean="0"/>
-              <a:t>11/27/2022</a:t>
+              <a:t>11/30/2022</a:t>
             </a:fld>
             <a:endParaRPr lang="en-US"/>
           </a:p>
@@ -3415,7 +3416,7 @@
           <a:p>
             <a:fld id="{B65AA950-EF9E-AE41-BDDC-36BC7EB5D6E9}" type="datetimeFigureOut">
               <a:rPr lang="en-US" smtClean="0"/>
-              <a:t>11/27/2022</a:t>
+              <a:t>11/30/2022</a:t>
             </a:fld>
             <a:endParaRPr lang="en-US"/>
           </a:p>
@@ -3656,7 +3657,7 @@
           <a:p>
             <a:fld id="{B65AA950-EF9E-AE41-BDDC-36BC7EB5D6E9}" type="datetimeFigureOut">
               <a:rPr lang="en-US" smtClean="0"/>
-              <a:t>11/27/2022</a:t>
+              <a:t>11/30/2022</a:t>
             </a:fld>
             <a:endParaRPr lang="en-US"/>
           </a:p>
@@ -5249,7 +5250,15 @@
             <a:pPr lvl="1"/>
             <a:r>
               <a:rPr lang="en-US"/>
-              <a:t>Retrieve: The number of retrieved images in the same class with the query image </a:t>
+              <a:t>Retrieve: The number of retrieved images in the same class </a:t>
+            </a:r>
+            <a:r>
+              <a:rPr lang="en-US" altLang="zh-CN"/>
+              <a:t>as</a:t>
+            </a:r>
+            <a:r>
+              <a:rPr lang="en-US"/>
+              <a:t> the query image </a:t>
             </a:r>
           </a:p>
           <a:p>
@@ -5415,7 +5424,7 @@
         </p:blipFill>
         <p:spPr>
           <a:xfrm>
-            <a:off x="4518660" y="200660"/>
+            <a:off x="4518660" y="182880"/>
             <a:ext cx="1607820" cy="1607820"/>
           </a:xfrm>
           <a:prstGeom prst="rect">
@@ -5527,7 +5536,7 @@
         </p:nvSpPr>
         <p:spPr>
           <a:xfrm>
-            <a:off x="4957950" y="1808600"/>
+            <a:off x="5019677" y="1796588"/>
             <a:ext cx="729239" cy="369332"/>
           </a:xfrm>
           <a:prstGeom prst="rect">
@@ -6126,6 +6135,488 @@
       </p:par>
     </p:tnLst>
   </p:timing>
+</p:sld>
+</file>
+
+<file path=ppt/slides/slide4.xml><?xml version="1.0" encoding="utf-8"?>
+<p:sld xmlns:a="http://schemas.openxmlformats.org/drawingml/2006/main" xmlns:r="http://schemas.openxmlformats.org/officeDocument/2006/relationships" xmlns:p="http://schemas.openxmlformats.org/presentationml/2006/main">
+  <p:cSld>
+    <p:spTree>
+      <p:nvGrpSpPr>
+        <p:cNvPr id="1" name=""/>
+        <p:cNvGrpSpPr/>
+        <p:nvPr/>
+      </p:nvGrpSpPr>
+      <p:grpSpPr>
+        <a:xfrm>
+          <a:off x="0" y="0"/>
+          <a:ext cx="0" cy="0"/>
+          <a:chOff x="0" y="0"/>
+          <a:chExt cx="0" cy="0"/>
+        </a:xfrm>
+      </p:grpSpPr>
+      <p:sp>
+        <p:nvSpPr>
+          <p:cNvPr id="2" name="Title 1">
+            <a:extLst>
+              <a:ext uri="{FF2B5EF4-FFF2-40B4-BE49-F238E27FC236}">
+                <a16:creationId xmlns:a16="http://schemas.microsoft.com/office/drawing/2014/main" id="{43FB43EA-A5D7-28B3-17F5-1013B0BA5B91}"/>
+              </a:ext>
+            </a:extLst>
+          </p:cNvPr>
+          <p:cNvSpPr>
+            <a:spLocks noGrp="1"/>
+          </p:cNvSpPr>
+          <p:nvPr>
+            <p:ph type="title"/>
+          </p:nvPr>
+        </p:nvSpPr>
+        <p:spPr/>
+        <p:txBody>
+          <a:bodyPr/>
+          <a:lstStyle/>
+          <a:p>
+            <a:endParaRPr lang="zh-CN" altLang="en-US"/>
+          </a:p>
+        </p:txBody>
+      </p:sp>
+      <p:pic>
+        <p:nvPicPr>
+          <p:cNvPr id="13" name="Content Placeholder 12" descr="A picture containing text, painting&#10;&#10;Description automatically generated">
+            <a:extLst>
+              <a:ext uri="{FF2B5EF4-FFF2-40B4-BE49-F238E27FC236}">
+                <a16:creationId xmlns:a16="http://schemas.microsoft.com/office/drawing/2014/main" id="{F7BE68F3-7F26-A71F-5FFE-E0B4A25176BD}"/>
+              </a:ext>
+            </a:extLst>
+          </p:cNvPr>
+          <p:cNvPicPr>
+            <a:picLocks noGrp="1" noChangeAspect="1"/>
+          </p:cNvPicPr>
+          <p:nvPr>
+            <p:ph idx="1"/>
+          </p:nvPr>
+        </p:nvPicPr>
+        <p:blipFill>
+          <a:blip r:embed="rId2"/>
+          <a:stretch>
+            <a:fillRect/>
+          </a:stretch>
+        </p:blipFill>
+        <p:spPr>
+          <a:xfrm>
+            <a:off x="7649733" y="2399434"/>
+            <a:ext cx="1607820" cy="1607820"/>
+          </a:xfrm>
+        </p:spPr>
+      </p:pic>
+      <p:pic>
+        <p:nvPicPr>
+          <p:cNvPr id="4" name="图片 7" descr="山上的风景&#10;&#10;中度可信度描述已自动生成">
+            <a:extLst>
+              <a:ext uri="{FF2B5EF4-FFF2-40B4-BE49-F238E27FC236}">
+                <a16:creationId xmlns:a16="http://schemas.microsoft.com/office/drawing/2014/main" id="{739CF99F-5071-0F82-AE42-9D7EDF573355}"/>
+              </a:ext>
+            </a:extLst>
+          </p:cNvPr>
+          <p:cNvPicPr>
+            <a:picLocks noChangeAspect="1"/>
+          </p:cNvPicPr>
+          <p:nvPr/>
+        </p:nvPicPr>
+        <p:blipFill>
+          <a:blip r:embed="rId3"/>
+          <a:stretch>
+            <a:fillRect/>
+          </a:stretch>
+        </p:blipFill>
+        <p:spPr>
+          <a:xfrm>
+            <a:off x="527573" y="2377440"/>
+            <a:ext cx="1607820" cy="1607820"/>
+          </a:xfrm>
+          <a:prstGeom prst="rect">
+            <a:avLst/>
+          </a:prstGeom>
+        </p:spPr>
+      </p:pic>
+      <p:pic>
+        <p:nvPicPr>
+          <p:cNvPr id="5" name="图片 9" descr="山上的风景&#10;&#10;描述已自动生成">
+            <a:extLst>
+              <a:ext uri="{FF2B5EF4-FFF2-40B4-BE49-F238E27FC236}">
+                <a16:creationId xmlns:a16="http://schemas.microsoft.com/office/drawing/2014/main" id="{CD8BFE85-1803-88FE-4288-14DE134E77A8}"/>
+              </a:ext>
+            </a:extLst>
+          </p:cNvPr>
+          <p:cNvPicPr>
+            <a:picLocks noChangeAspect="1"/>
+          </p:cNvPicPr>
+          <p:nvPr/>
+        </p:nvPicPr>
+        <p:blipFill>
+          <a:blip r:embed="rId4"/>
+          <a:stretch>
+            <a:fillRect/>
+          </a:stretch>
+        </p:blipFill>
+        <p:spPr>
+          <a:xfrm>
+            <a:off x="2308113" y="2377440"/>
+            <a:ext cx="1607820" cy="1607820"/>
+          </a:xfrm>
+          <a:prstGeom prst="rect">
+            <a:avLst/>
+          </a:prstGeom>
+        </p:spPr>
+      </p:pic>
+      <p:pic>
+        <p:nvPicPr>
+          <p:cNvPr id="6" name="图片 11" descr="山上的风景&#10;&#10;描述已自动生成">
+            <a:extLst>
+              <a:ext uri="{FF2B5EF4-FFF2-40B4-BE49-F238E27FC236}">
+                <a16:creationId xmlns:a16="http://schemas.microsoft.com/office/drawing/2014/main" id="{DBCBACEB-7BE5-F2E4-5D64-6E37DD821153}"/>
+              </a:ext>
+            </a:extLst>
+          </p:cNvPr>
+          <p:cNvPicPr>
+            <a:picLocks noChangeAspect="1"/>
+          </p:cNvPicPr>
+          <p:nvPr/>
+        </p:nvPicPr>
+        <p:blipFill>
+          <a:blip r:embed="rId5"/>
+          <a:stretch>
+            <a:fillRect/>
+          </a:stretch>
+        </p:blipFill>
+        <p:spPr>
+          <a:xfrm>
+            <a:off x="4088653" y="2395220"/>
+            <a:ext cx="1607820" cy="1607820"/>
+          </a:xfrm>
+          <a:prstGeom prst="rect">
+            <a:avLst/>
+          </a:prstGeom>
+        </p:spPr>
+      </p:pic>
+      <p:pic>
+        <p:nvPicPr>
+          <p:cNvPr id="7" name="图片 13" descr="绿色的山&#10;&#10;中度可信度描述已自动生成">
+            <a:extLst>
+              <a:ext uri="{FF2B5EF4-FFF2-40B4-BE49-F238E27FC236}">
+                <a16:creationId xmlns:a16="http://schemas.microsoft.com/office/drawing/2014/main" id="{800EFD77-761B-17F3-878A-0513F7DCB9BF}"/>
+              </a:ext>
+            </a:extLst>
+          </p:cNvPr>
+          <p:cNvPicPr>
+            <a:picLocks noChangeAspect="1"/>
+          </p:cNvPicPr>
+          <p:nvPr/>
+        </p:nvPicPr>
+        <p:blipFill>
+          <a:blip r:embed="rId6"/>
+          <a:stretch>
+            <a:fillRect/>
+          </a:stretch>
+        </p:blipFill>
+        <p:spPr>
+          <a:xfrm>
+            <a:off x="5869193" y="2395220"/>
+            <a:ext cx="1607820" cy="1607820"/>
+          </a:xfrm>
+          <a:prstGeom prst="rect">
+            <a:avLst/>
+          </a:prstGeom>
+        </p:spPr>
+      </p:pic>
+      <p:sp>
+        <p:nvSpPr>
+          <p:cNvPr id="8" name="文本框 14">
+            <a:extLst>
+              <a:ext uri="{FF2B5EF4-FFF2-40B4-BE49-F238E27FC236}">
+                <a16:creationId xmlns:a16="http://schemas.microsoft.com/office/drawing/2014/main" id="{60BDDE85-9E9A-071C-069A-68C042C4D72B}"/>
+              </a:ext>
+            </a:extLst>
+          </p:cNvPr>
+          <p:cNvSpPr txBox="1"/>
+          <p:nvPr/>
+        </p:nvSpPr>
+        <p:spPr>
+          <a:xfrm>
+            <a:off x="1028590" y="3991148"/>
+            <a:ext cx="729239" cy="369332"/>
+          </a:xfrm>
+          <a:prstGeom prst="rect">
+            <a:avLst/>
+          </a:prstGeom>
+          <a:noFill/>
+        </p:spPr>
+        <p:txBody>
+          <a:bodyPr wrap="none" rtlCol="0">
+            <a:spAutoFit/>
+          </a:bodyPr>
+          <a:lstStyle/>
+          <a:p>
+            <a:r>
+              <a:rPr lang="en-US" altLang="zh-CN"/>
+              <a:t>query</a:t>
+            </a:r>
+            <a:endParaRPr lang="zh-CN" altLang="en-US"/>
+          </a:p>
+        </p:txBody>
+      </p:sp>
+      <p:sp>
+        <p:nvSpPr>
+          <p:cNvPr id="9" name="文本框 15">
+            <a:extLst>
+              <a:ext uri="{FF2B5EF4-FFF2-40B4-BE49-F238E27FC236}">
+                <a16:creationId xmlns:a16="http://schemas.microsoft.com/office/drawing/2014/main" id="{E3011D91-5BE7-10BD-7804-1AB6073AAF3E}"/>
+              </a:ext>
+            </a:extLst>
+          </p:cNvPr>
+          <p:cNvSpPr txBox="1"/>
+          <p:nvPr/>
+        </p:nvSpPr>
+        <p:spPr>
+          <a:xfrm>
+            <a:off x="2953485" y="4003160"/>
+            <a:ext cx="412164" cy="369332"/>
+          </a:xfrm>
+          <a:prstGeom prst="rect">
+            <a:avLst/>
+          </a:prstGeom>
+          <a:noFill/>
+        </p:spPr>
+        <p:txBody>
+          <a:bodyPr wrap="square" rtlCol="0">
+            <a:spAutoFit/>
+          </a:bodyPr>
+          <a:lstStyle/>
+          <a:p>
+            <a:r>
+              <a:rPr lang="en-US" altLang="zh-CN"/>
+              <a:t>1</a:t>
+            </a:r>
+            <a:r>
+              <a:rPr lang="en-US" altLang="zh-CN" baseline="30000"/>
+              <a:t>st</a:t>
+            </a:r>
+            <a:endParaRPr lang="zh-CN" altLang="en-US"/>
+          </a:p>
+        </p:txBody>
+      </p:sp>
+      <p:sp>
+        <p:nvSpPr>
+          <p:cNvPr id="10" name="文本框 16">
+            <a:extLst>
+              <a:ext uri="{FF2B5EF4-FFF2-40B4-BE49-F238E27FC236}">
+                <a16:creationId xmlns:a16="http://schemas.microsoft.com/office/drawing/2014/main" id="{C79CE8F5-E50B-7866-A7B8-019D813D55BD}"/>
+              </a:ext>
+            </a:extLst>
+          </p:cNvPr>
+          <p:cNvSpPr txBox="1"/>
+          <p:nvPr/>
+        </p:nvSpPr>
+        <p:spPr>
+          <a:xfrm>
+            <a:off x="4745935" y="4007254"/>
+            <a:ext cx="572974" cy="369332"/>
+          </a:xfrm>
+          <a:prstGeom prst="rect">
+            <a:avLst/>
+          </a:prstGeom>
+          <a:noFill/>
+        </p:spPr>
+        <p:txBody>
+          <a:bodyPr wrap="square" rtlCol="0">
+            <a:spAutoFit/>
+          </a:bodyPr>
+          <a:lstStyle/>
+          <a:p>
+            <a:r>
+              <a:rPr lang="en-US" altLang="zh-CN"/>
+              <a:t>2</a:t>
+            </a:r>
+            <a:r>
+              <a:rPr lang="en-US" altLang="zh-CN" baseline="30000"/>
+              <a:t>nd</a:t>
+            </a:r>
+            <a:r>
+              <a:rPr lang="en-US" altLang="zh-CN"/>
+              <a:t> </a:t>
+            </a:r>
+            <a:endParaRPr lang="zh-CN" altLang="en-US"/>
+          </a:p>
+        </p:txBody>
+      </p:sp>
+      <p:sp>
+        <p:nvSpPr>
+          <p:cNvPr id="11" name="文本框 17">
+            <a:extLst>
+              <a:ext uri="{FF2B5EF4-FFF2-40B4-BE49-F238E27FC236}">
+                <a16:creationId xmlns:a16="http://schemas.microsoft.com/office/drawing/2014/main" id="{01F88959-361E-4FC1-3522-8EC964469BF9}"/>
+              </a:ext>
+            </a:extLst>
+          </p:cNvPr>
+          <p:cNvSpPr txBox="1"/>
+          <p:nvPr/>
+        </p:nvSpPr>
+        <p:spPr>
+          <a:xfrm>
+            <a:off x="6486901" y="4003040"/>
+            <a:ext cx="572974" cy="369332"/>
+          </a:xfrm>
+          <a:prstGeom prst="rect">
+            <a:avLst/>
+          </a:prstGeom>
+          <a:noFill/>
+        </p:spPr>
+        <p:txBody>
+          <a:bodyPr wrap="square" rtlCol="0">
+            <a:spAutoFit/>
+          </a:bodyPr>
+          <a:lstStyle/>
+          <a:p>
+            <a:r>
+              <a:rPr lang="en-US" altLang="zh-CN"/>
+              <a:t>3</a:t>
+            </a:r>
+            <a:r>
+              <a:rPr lang="en-US" altLang="zh-CN" baseline="30000"/>
+              <a:t>rd</a:t>
+            </a:r>
+            <a:endParaRPr lang="zh-CN" altLang="en-US"/>
+          </a:p>
+        </p:txBody>
+      </p:sp>
+      <p:pic>
+        <p:nvPicPr>
+          <p:cNvPr id="15" name="Picture 14" descr="A picture containing tree, window&#10;&#10;Description automatically generated">
+            <a:extLst>
+              <a:ext uri="{FF2B5EF4-FFF2-40B4-BE49-F238E27FC236}">
+                <a16:creationId xmlns:a16="http://schemas.microsoft.com/office/drawing/2014/main" id="{BDAD180F-0838-E188-6479-3569209B489D}"/>
+              </a:ext>
+            </a:extLst>
+          </p:cNvPr>
+          <p:cNvPicPr>
+            <a:picLocks noChangeAspect="1"/>
+          </p:cNvPicPr>
+          <p:nvPr/>
+        </p:nvPicPr>
+        <p:blipFill>
+          <a:blip r:embed="rId7"/>
+          <a:stretch>
+            <a:fillRect/>
+          </a:stretch>
+        </p:blipFill>
+        <p:spPr>
+          <a:xfrm>
+            <a:off x="9430273" y="2395340"/>
+            <a:ext cx="1607820" cy="1607820"/>
+          </a:xfrm>
+          <a:prstGeom prst="rect">
+            <a:avLst/>
+          </a:prstGeom>
+        </p:spPr>
+      </p:pic>
+      <p:sp>
+        <p:nvSpPr>
+          <p:cNvPr id="16" name="文本框 17">
+            <a:extLst>
+              <a:ext uri="{FF2B5EF4-FFF2-40B4-BE49-F238E27FC236}">
+                <a16:creationId xmlns:a16="http://schemas.microsoft.com/office/drawing/2014/main" id="{B6358ECC-2160-25F0-F9D7-5FE7864345B1}"/>
+              </a:ext>
+            </a:extLst>
+          </p:cNvPr>
+          <p:cNvSpPr txBox="1"/>
+          <p:nvPr/>
+        </p:nvSpPr>
+        <p:spPr>
+          <a:xfrm>
+            <a:off x="8267441" y="3993226"/>
+            <a:ext cx="572974" cy="369332"/>
+          </a:xfrm>
+          <a:prstGeom prst="rect">
+            <a:avLst/>
+          </a:prstGeom>
+          <a:noFill/>
+        </p:spPr>
+        <p:txBody>
+          <a:bodyPr wrap="square" rtlCol="0">
+            <a:spAutoFit/>
+          </a:bodyPr>
+          <a:lstStyle/>
+          <a:p>
+            <a:r>
+              <a:rPr lang="en-US" altLang="zh-CN"/>
+              <a:t>4</a:t>
+            </a:r>
+            <a:r>
+              <a:rPr lang="en-US" altLang="zh-CN" baseline="30000"/>
+              <a:t>th</a:t>
+            </a:r>
+            <a:r>
+              <a:rPr lang="en-US" altLang="zh-CN"/>
+              <a:t> </a:t>
+            </a:r>
+            <a:endParaRPr lang="zh-CN" altLang="en-US"/>
+          </a:p>
+        </p:txBody>
+      </p:sp>
+      <p:sp>
+        <p:nvSpPr>
+          <p:cNvPr id="17" name="文本框 17">
+            <a:extLst>
+              <a:ext uri="{FF2B5EF4-FFF2-40B4-BE49-F238E27FC236}">
+                <a16:creationId xmlns:a16="http://schemas.microsoft.com/office/drawing/2014/main" id="{EB34872D-8EF1-0388-DFFB-D6CC69CBF2FA}"/>
+              </a:ext>
+            </a:extLst>
+          </p:cNvPr>
+          <p:cNvSpPr txBox="1"/>
+          <p:nvPr/>
+        </p:nvSpPr>
+        <p:spPr>
+          <a:xfrm>
+            <a:off x="10008407" y="3985260"/>
+            <a:ext cx="572974" cy="369332"/>
+          </a:xfrm>
+          <a:prstGeom prst="rect">
+            <a:avLst/>
+          </a:prstGeom>
+          <a:noFill/>
+        </p:spPr>
+        <p:txBody>
+          <a:bodyPr wrap="square" rtlCol="0">
+            <a:spAutoFit/>
+          </a:bodyPr>
+          <a:lstStyle/>
+          <a:p>
+            <a:r>
+              <a:rPr lang="en-US" altLang="zh-CN"/>
+              <a:t>5</a:t>
+            </a:r>
+            <a:r>
+              <a:rPr lang="en-US" altLang="zh-CN" baseline="30000"/>
+              <a:t>th</a:t>
+            </a:r>
+            <a:r>
+              <a:rPr lang="en-US" altLang="zh-CN"/>
+              <a:t> </a:t>
+            </a:r>
+            <a:endParaRPr lang="zh-CN" altLang="en-US"/>
+          </a:p>
+        </p:txBody>
+      </p:sp>
+    </p:spTree>
+    <p:extLst>
+      <p:ext uri="{BB962C8B-B14F-4D97-AF65-F5344CB8AC3E}">
+        <p14:creationId xmlns:p14="http://schemas.microsoft.com/office/powerpoint/2010/main" val="2225051240"/>
+      </p:ext>
+    </p:extLst>
+  </p:cSld>
+  <p:clrMapOvr>
+    <a:masterClrMapping/>
+  </p:clrMapOvr>
 </p:sld>
 </file>
 
